--- a/springboot/SpringBoot-1.pptx
+++ b/springboot/SpringBoot-1.pptx
@@ -12,18 +12,26 @@
     <p:sldId id="276" r:id="rId6"/>
     <p:sldId id="277" r:id="rId7"/>
     <p:sldId id="278" r:id="rId8"/>
-    <p:sldId id="259" r:id="rId9"/>
-    <p:sldId id="272" r:id="rId10"/>
-    <p:sldId id="261" r:id="rId11"/>
-    <p:sldId id="264" r:id="rId12"/>
-    <p:sldId id="265" r:id="rId13"/>
-    <p:sldId id="266" r:id="rId14"/>
-    <p:sldId id="267" r:id="rId15"/>
-    <p:sldId id="268" r:id="rId16"/>
-    <p:sldId id="269" r:id="rId17"/>
-    <p:sldId id="270" r:id="rId18"/>
-    <p:sldId id="271" r:id="rId19"/>
-    <p:sldId id="263" r:id="rId20"/>
+    <p:sldId id="279" r:id="rId9"/>
+    <p:sldId id="280" r:id="rId10"/>
+    <p:sldId id="281" r:id="rId11"/>
+    <p:sldId id="282" r:id="rId12"/>
+    <p:sldId id="259" r:id="rId13"/>
+    <p:sldId id="272" r:id="rId14"/>
+    <p:sldId id="261" r:id="rId15"/>
+    <p:sldId id="264" r:id="rId16"/>
+    <p:sldId id="265" r:id="rId17"/>
+    <p:sldId id="266" r:id="rId18"/>
+    <p:sldId id="267" r:id="rId19"/>
+    <p:sldId id="268" r:id="rId20"/>
+    <p:sldId id="269" r:id="rId21"/>
+    <p:sldId id="283" r:id="rId22"/>
+    <p:sldId id="284" r:id="rId23"/>
+    <p:sldId id="285" r:id="rId24"/>
+    <p:sldId id="270" r:id="rId25"/>
+    <p:sldId id="286" r:id="rId26"/>
+    <p:sldId id="271" r:id="rId27"/>
+    <p:sldId id="263" r:id="rId28"/>
   </p:sldIdLst>
   <p:sldSz cx="12192000" cy="6858000"/>
   <p:notesSz cx="6858000" cy="9144000"/>
@@ -261,7 +269,7 @@
           <a:p>
             <a:fld id="{B19F6D25-0D07-BB40-9D8F-729DC3A461EF}" type="datetimeFigureOut">
               <a:rPr lang="en-US" smtClean="0"/>
-              <a:t>5/14/19</a:t>
+              <a:t>5/24/19</a:t>
             </a:fld>
             <a:endParaRPr lang="en-US"/>
           </a:p>
@@ -431,7 +439,7 @@
           <a:p>
             <a:fld id="{B19F6D25-0D07-BB40-9D8F-729DC3A461EF}" type="datetimeFigureOut">
               <a:rPr lang="en-US" smtClean="0"/>
-              <a:t>5/14/19</a:t>
+              <a:t>5/24/19</a:t>
             </a:fld>
             <a:endParaRPr lang="en-US"/>
           </a:p>
@@ -611,7 +619,7 @@
           <a:p>
             <a:fld id="{B19F6D25-0D07-BB40-9D8F-729DC3A461EF}" type="datetimeFigureOut">
               <a:rPr lang="en-US" smtClean="0"/>
-              <a:t>5/14/19</a:t>
+              <a:t>5/24/19</a:t>
             </a:fld>
             <a:endParaRPr lang="en-US"/>
           </a:p>
@@ -781,7 +789,7 @@
           <a:p>
             <a:fld id="{B19F6D25-0D07-BB40-9D8F-729DC3A461EF}" type="datetimeFigureOut">
               <a:rPr lang="en-US" smtClean="0"/>
-              <a:t>5/14/19</a:t>
+              <a:t>5/24/19</a:t>
             </a:fld>
             <a:endParaRPr lang="en-US"/>
           </a:p>
@@ -1027,7 +1035,7 @@
           <a:p>
             <a:fld id="{B19F6D25-0D07-BB40-9D8F-729DC3A461EF}" type="datetimeFigureOut">
               <a:rPr lang="en-US" smtClean="0"/>
-              <a:t>5/14/19</a:t>
+              <a:t>5/24/19</a:t>
             </a:fld>
             <a:endParaRPr lang="en-US"/>
           </a:p>
@@ -1259,7 +1267,7 @@
           <a:p>
             <a:fld id="{B19F6D25-0D07-BB40-9D8F-729DC3A461EF}" type="datetimeFigureOut">
               <a:rPr lang="en-US" smtClean="0"/>
-              <a:t>5/14/19</a:t>
+              <a:t>5/24/19</a:t>
             </a:fld>
             <a:endParaRPr lang="en-US"/>
           </a:p>
@@ -1626,7 +1634,7 @@
           <a:p>
             <a:fld id="{B19F6D25-0D07-BB40-9D8F-729DC3A461EF}" type="datetimeFigureOut">
               <a:rPr lang="en-US" smtClean="0"/>
-              <a:t>5/14/19</a:t>
+              <a:t>5/24/19</a:t>
             </a:fld>
             <a:endParaRPr lang="en-US"/>
           </a:p>
@@ -1744,7 +1752,7 @@
           <a:p>
             <a:fld id="{B19F6D25-0D07-BB40-9D8F-729DC3A461EF}" type="datetimeFigureOut">
               <a:rPr lang="en-US" smtClean="0"/>
-              <a:t>5/14/19</a:t>
+              <a:t>5/24/19</a:t>
             </a:fld>
             <a:endParaRPr lang="en-US"/>
           </a:p>
@@ -1839,7 +1847,7 @@
           <a:p>
             <a:fld id="{B19F6D25-0D07-BB40-9D8F-729DC3A461EF}" type="datetimeFigureOut">
               <a:rPr lang="en-US" smtClean="0"/>
-              <a:t>5/14/19</a:t>
+              <a:t>5/24/19</a:t>
             </a:fld>
             <a:endParaRPr lang="en-US"/>
           </a:p>
@@ -2116,7 +2124,7 @@
           <a:p>
             <a:fld id="{B19F6D25-0D07-BB40-9D8F-729DC3A461EF}" type="datetimeFigureOut">
               <a:rPr lang="en-US" smtClean="0"/>
-              <a:t>5/14/19</a:t>
+              <a:t>5/24/19</a:t>
             </a:fld>
             <a:endParaRPr lang="en-US"/>
           </a:p>
@@ -2369,7 +2377,7 @@
           <a:p>
             <a:fld id="{B19F6D25-0D07-BB40-9D8F-729DC3A461EF}" type="datetimeFigureOut">
               <a:rPr lang="en-US" smtClean="0"/>
-              <a:t>5/14/19</a:t>
+              <a:t>5/24/19</a:t>
             </a:fld>
             <a:endParaRPr lang="en-US"/>
           </a:p>
@@ -2582,7 +2590,7 @@
           <a:p>
             <a:fld id="{B19F6D25-0D07-BB40-9D8F-729DC3A461EF}" type="datetimeFigureOut">
               <a:rPr lang="en-US" smtClean="0"/>
-              <a:t>5/14/19</a:t>
+              <a:t>5/24/19</a:t>
             </a:fld>
             <a:endParaRPr lang="en-US"/>
           </a:p>
@@ -3086,6 +3094,736 @@
           <a:lstStyle/>
           <a:p>
             <a:r>
+              <a:rPr lang="zh-CN" altLang="en-US" dirty="0" smtClean="0"/>
+              <a:t>微服务的优点</a:t>
+            </a:r>
+            <a:endParaRPr lang="en-US" dirty="0"/>
+          </a:p>
+        </p:txBody>
+      </p:sp>
+      <p:sp>
+        <p:nvSpPr>
+          <p:cNvPr id="3" name="Content Placeholder 2"/>
+          <p:cNvSpPr>
+            <a:spLocks noGrp="1"/>
+          </p:cNvSpPr>
+          <p:nvPr>
+            <p:ph idx="1"/>
+          </p:nvPr>
+        </p:nvSpPr>
+        <p:spPr/>
+        <p:txBody>
+          <a:bodyPr>
+            <a:normAutofit lnSpcReduction="10000"/>
+          </a:bodyPr>
+          <a:lstStyle/>
+          <a:p>
+            <a:r>
+              <a:rPr lang="zh-CN" altLang="en-US" dirty="0"/>
+              <a:t>提升开发交流，每个服务足够内聚，足够小，代码容易理解</a:t>
+            </a:r>
+            <a:r>
+              <a:rPr lang="zh-CN" altLang="en-US" dirty="0" smtClean="0"/>
+              <a:t>；</a:t>
+            </a:r>
+            <a:endParaRPr lang="en-US" altLang="zh-CN" dirty="0" smtClean="0"/>
+          </a:p>
+          <a:p>
+            <a:r>
+              <a:rPr lang="zh-CN" altLang="en-US" dirty="0" smtClean="0"/>
+              <a:t>服务</a:t>
+            </a:r>
+            <a:r>
+              <a:rPr lang="zh-CN" altLang="en-US" dirty="0"/>
+              <a:t>独立测试、部署、升级、发布</a:t>
+            </a:r>
+            <a:r>
+              <a:rPr lang="zh-CN" altLang="en-US" dirty="0" smtClean="0"/>
+              <a:t>；</a:t>
+            </a:r>
+            <a:endParaRPr lang="en-US" altLang="zh-CN" dirty="0" smtClean="0"/>
+          </a:p>
+          <a:p>
+            <a:r>
+              <a:rPr lang="zh-CN" altLang="en-US" dirty="0" smtClean="0"/>
+              <a:t>按</a:t>
+            </a:r>
+            <a:r>
+              <a:rPr lang="zh-CN" altLang="en-US" dirty="0"/>
+              <a:t>需定制的</a:t>
+            </a:r>
+            <a:r>
+              <a:rPr lang="en-US" altLang="zh-CN" dirty="0"/>
+              <a:t>DFX</a:t>
+            </a:r>
+            <a:r>
+              <a:rPr lang="zh-CN" altLang="en-US" dirty="0"/>
+              <a:t>，资源利用率，每个服务可以各自进行</a:t>
+            </a:r>
+            <a:r>
+              <a:rPr lang="en-US" altLang="zh-CN" dirty="0"/>
+              <a:t>x</a:t>
+            </a:r>
+            <a:r>
+              <a:rPr lang="zh-CN" altLang="en-US" dirty="0"/>
+              <a:t>扩展和</a:t>
+            </a:r>
+            <a:r>
+              <a:rPr lang="en-US" altLang="zh-CN" dirty="0"/>
+              <a:t>z</a:t>
+            </a:r>
+            <a:r>
+              <a:rPr lang="zh-CN" altLang="en-US" dirty="0"/>
+              <a:t>扩展，而且，每个服务可以根据自己的需要部署到合适的硬件服务器上</a:t>
+            </a:r>
+            <a:r>
+              <a:rPr lang="zh-CN" altLang="en-US" dirty="0" smtClean="0"/>
+              <a:t>；</a:t>
+            </a:r>
+            <a:endParaRPr lang="en-US" altLang="zh-CN" dirty="0" smtClean="0"/>
+          </a:p>
+          <a:p>
+            <a:r>
+              <a:rPr lang="zh-CN" altLang="en-US" dirty="0" smtClean="0"/>
+              <a:t>每个</a:t>
+            </a:r>
+            <a:r>
+              <a:rPr lang="zh-CN" altLang="en-US" dirty="0"/>
+              <a:t>服务按需要选择</a:t>
+            </a:r>
+            <a:r>
+              <a:rPr lang="en-US" altLang="zh-CN" dirty="0"/>
+              <a:t>HA</a:t>
+            </a:r>
+            <a:r>
+              <a:rPr lang="zh-CN" altLang="en-US" dirty="0"/>
+              <a:t>的模式，选择接受服务的实例个数</a:t>
+            </a:r>
+            <a:r>
+              <a:rPr lang="zh-CN" altLang="en-US" dirty="0" smtClean="0"/>
+              <a:t>；</a:t>
+            </a:r>
+            <a:endParaRPr lang="en-US" altLang="zh-CN" dirty="0" smtClean="0"/>
+          </a:p>
+          <a:p>
+            <a:r>
+              <a:rPr lang="zh-CN" altLang="en-US" dirty="0" smtClean="0"/>
+              <a:t>容易</a:t>
+            </a:r>
+            <a:r>
+              <a:rPr lang="zh-CN" altLang="en-US" dirty="0"/>
+              <a:t>扩大开发团队，可以针对每个服务（</a:t>
+            </a:r>
+            <a:r>
+              <a:rPr lang="en-US" altLang="zh-CN" dirty="0"/>
+              <a:t>service</a:t>
+            </a:r>
+            <a:r>
+              <a:rPr lang="zh-CN" altLang="en-US" dirty="0"/>
+              <a:t>）组件开发团队</a:t>
+            </a:r>
+            <a:r>
+              <a:rPr lang="zh-CN" altLang="en-US" dirty="0" smtClean="0"/>
+              <a:t>；</a:t>
+            </a:r>
+            <a:endParaRPr lang="en-US" altLang="zh-CN" dirty="0" smtClean="0"/>
+          </a:p>
+          <a:p>
+            <a:r>
+              <a:rPr lang="zh-CN" altLang="en-US" dirty="0" smtClean="0"/>
+              <a:t>提高</a:t>
+            </a:r>
+            <a:r>
+              <a:rPr lang="zh-CN" altLang="en-US" dirty="0"/>
+              <a:t>容错性（</a:t>
+            </a:r>
+            <a:r>
+              <a:rPr lang="en-US" altLang="zh-CN" dirty="0"/>
+              <a:t>fault isolation</a:t>
+            </a:r>
+            <a:r>
+              <a:rPr lang="zh-CN" altLang="en-US" dirty="0"/>
+              <a:t>），一个服务的内存泄露并不会让整个系统瘫痪</a:t>
+            </a:r>
+            <a:r>
+              <a:rPr lang="zh-CN" altLang="en-US" dirty="0" smtClean="0"/>
+              <a:t>；</a:t>
+            </a:r>
+            <a:endParaRPr lang="en-US" altLang="zh-CN" dirty="0" smtClean="0"/>
+          </a:p>
+          <a:p>
+            <a:r>
+              <a:rPr lang="zh-CN" altLang="en-US" dirty="0" smtClean="0"/>
+              <a:t>新</a:t>
+            </a:r>
+            <a:r>
+              <a:rPr lang="zh-CN" altLang="en-US" dirty="0"/>
+              <a:t>技术的应用，系统不会被长期限制在某个技术栈上</a:t>
+            </a:r>
+            <a:r>
+              <a:rPr lang="zh-CN" altLang="en-US" dirty="0" smtClean="0"/>
+              <a:t>；</a:t>
+            </a:r>
+            <a:endParaRPr lang="zh-CN" altLang="en-US" dirty="0"/>
+          </a:p>
+        </p:txBody>
+      </p:sp>
+    </p:spTree>
+    <p:extLst>
+      <p:ext uri="{BB962C8B-B14F-4D97-AF65-F5344CB8AC3E}">
+        <p14:creationId xmlns:p14="http://schemas.microsoft.com/office/powerpoint/2010/main" val="335517368"/>
+      </p:ext>
+    </p:extLst>
+  </p:cSld>
+  <p:clrMapOvr>
+    <a:masterClrMapping/>
+  </p:clrMapOvr>
+</p:sld>
+</file>
+
+<file path=ppt/slides/slide11.xml><?xml version="1.0" encoding="utf-8"?>
+<p:sld xmlns:a="http://schemas.openxmlformats.org/drawingml/2006/main" xmlns:r="http://schemas.openxmlformats.org/officeDocument/2006/relationships" xmlns:p="http://schemas.openxmlformats.org/presentationml/2006/main">
+  <p:cSld>
+    <p:spTree>
+      <p:nvGrpSpPr>
+        <p:cNvPr id="1" name=""/>
+        <p:cNvGrpSpPr/>
+        <p:nvPr/>
+      </p:nvGrpSpPr>
+      <p:grpSpPr>
+        <a:xfrm>
+          <a:off x="0" y="0"/>
+          <a:ext cx="0" cy="0"/>
+          <a:chOff x="0" y="0"/>
+          <a:chExt cx="0" cy="0"/>
+        </a:xfrm>
+      </p:grpSpPr>
+      <p:sp>
+        <p:nvSpPr>
+          <p:cNvPr id="2" name="Title 1"/>
+          <p:cNvSpPr>
+            <a:spLocks noGrp="1"/>
+          </p:cNvSpPr>
+          <p:nvPr>
+            <p:ph type="title"/>
+          </p:nvPr>
+        </p:nvSpPr>
+        <p:spPr/>
+        <p:txBody>
+          <a:bodyPr/>
+          <a:lstStyle/>
+          <a:p>
+            <a:r>
+              <a:rPr lang="zh-CN" altLang="en-US" dirty="0" smtClean="0"/>
+              <a:t>微服务的缺点</a:t>
+            </a:r>
+            <a:endParaRPr lang="en-US" dirty="0"/>
+          </a:p>
+        </p:txBody>
+      </p:sp>
+      <p:sp>
+        <p:nvSpPr>
+          <p:cNvPr id="3" name="Content Placeholder 2"/>
+          <p:cNvSpPr>
+            <a:spLocks noGrp="1"/>
+          </p:cNvSpPr>
+          <p:nvPr>
+            <p:ph idx="1"/>
+          </p:nvPr>
+        </p:nvSpPr>
+        <p:spPr/>
+        <p:txBody>
+          <a:bodyPr>
+            <a:normAutofit lnSpcReduction="10000"/>
+          </a:bodyPr>
+          <a:lstStyle/>
+          <a:p>
+            <a:r>
+              <a:rPr lang="zh-CN" altLang="en-US" dirty="0" smtClean="0"/>
+              <a:t>微</a:t>
+            </a:r>
+            <a:r>
+              <a:rPr lang="zh-CN" altLang="en-US" dirty="0"/>
+              <a:t>服务提高了系统的复杂度；</a:t>
+            </a:r>
+          </a:p>
+          <a:p>
+            <a:r>
+              <a:rPr lang="zh-CN" altLang="en-US" dirty="0"/>
+              <a:t>开发人员要处理分布式系统的复杂性；</a:t>
+            </a:r>
+          </a:p>
+          <a:p>
+            <a:r>
+              <a:rPr lang="zh-CN" altLang="en-US" dirty="0"/>
+              <a:t>服务之间的分布式通信问题；</a:t>
+            </a:r>
+          </a:p>
+          <a:p>
+            <a:r>
+              <a:rPr lang="zh-CN" altLang="en-US" dirty="0"/>
+              <a:t>服务的注册与发现问题；</a:t>
+            </a:r>
+          </a:p>
+          <a:p>
+            <a:r>
+              <a:rPr lang="zh-CN" altLang="en-US" dirty="0"/>
+              <a:t>服务之间的分布式事务问题；</a:t>
+            </a:r>
+          </a:p>
+          <a:p>
+            <a:r>
+              <a:rPr lang="zh-CN" altLang="en-US" dirty="0"/>
+              <a:t>数据隔离再来的报表处理问题；</a:t>
+            </a:r>
+          </a:p>
+          <a:p>
+            <a:r>
+              <a:rPr lang="zh-CN" altLang="en-US" dirty="0"/>
+              <a:t>服务之间的分布式一致性问题；</a:t>
+            </a:r>
+          </a:p>
+          <a:p>
+            <a:r>
+              <a:rPr lang="zh-CN" altLang="en-US" dirty="0"/>
+              <a:t>服务管理的复杂性，服务的编排；</a:t>
+            </a:r>
+          </a:p>
+          <a:p>
+            <a:r>
+              <a:rPr lang="zh-CN" altLang="en-US" dirty="0"/>
+              <a:t>不同服务实例的管理</a:t>
+            </a:r>
+            <a:r>
+              <a:rPr lang="zh-CN" altLang="en-US" dirty="0" smtClean="0"/>
+              <a:t>。</a:t>
+            </a:r>
+            <a:endParaRPr lang="zh-CN" altLang="en-US" dirty="0"/>
+          </a:p>
+        </p:txBody>
+      </p:sp>
+    </p:spTree>
+    <p:extLst>
+      <p:ext uri="{BB962C8B-B14F-4D97-AF65-F5344CB8AC3E}">
+        <p14:creationId xmlns:p14="http://schemas.microsoft.com/office/powerpoint/2010/main" val="640326823"/>
+      </p:ext>
+    </p:extLst>
+  </p:cSld>
+  <p:clrMapOvr>
+    <a:masterClrMapping/>
+  </p:clrMapOvr>
+</p:sld>
+</file>
+
+<file path=ppt/slides/slide12.xml><?xml version="1.0" encoding="utf-8"?>
+<p:sld xmlns:a="http://schemas.openxmlformats.org/drawingml/2006/main" xmlns:r="http://schemas.openxmlformats.org/officeDocument/2006/relationships" xmlns:p="http://schemas.openxmlformats.org/presentationml/2006/main">
+  <p:cSld>
+    <p:spTree>
+      <p:nvGrpSpPr>
+        <p:cNvPr id="1" name=""/>
+        <p:cNvGrpSpPr/>
+        <p:nvPr/>
+      </p:nvGrpSpPr>
+      <p:grpSpPr>
+        <a:xfrm>
+          <a:off x="0" y="0"/>
+          <a:ext cx="0" cy="0"/>
+          <a:chOff x="0" y="0"/>
+          <a:chExt cx="0" cy="0"/>
+        </a:xfrm>
+      </p:grpSpPr>
+      <p:sp>
+        <p:nvSpPr>
+          <p:cNvPr id="2" name="Title 1"/>
+          <p:cNvSpPr>
+            <a:spLocks noGrp="1"/>
+          </p:cNvSpPr>
+          <p:nvPr>
+            <p:ph type="title"/>
+          </p:nvPr>
+        </p:nvSpPr>
+        <p:spPr/>
+        <p:txBody>
+          <a:bodyPr/>
+          <a:lstStyle/>
+          <a:p>
+            <a:r>
+              <a:rPr lang="en-US" altLang="zh-CN" dirty="0" smtClean="0"/>
+              <a:t>Spring</a:t>
+            </a:r>
+            <a:r>
+              <a:rPr lang="zh-CN" altLang="en-US" dirty="0" smtClean="0"/>
+              <a:t>的历史</a:t>
+            </a:r>
+            <a:endParaRPr lang="en-US" dirty="0"/>
+          </a:p>
+        </p:txBody>
+      </p:sp>
+      <p:sp>
+        <p:nvSpPr>
+          <p:cNvPr id="3" name="Content Placeholder 2"/>
+          <p:cNvSpPr>
+            <a:spLocks noGrp="1"/>
+          </p:cNvSpPr>
+          <p:nvPr>
+            <p:ph idx="1"/>
+          </p:nvPr>
+        </p:nvSpPr>
+        <p:spPr/>
+        <p:txBody>
+          <a:bodyPr/>
+          <a:lstStyle/>
+          <a:p>
+            <a:r>
+              <a:rPr lang="en-US" altLang="zh-CN" dirty="0" smtClean="0"/>
+              <a:t>2002</a:t>
+            </a:r>
+            <a:r>
+              <a:rPr lang="zh-CN" altLang="en-US" dirty="0" smtClean="0"/>
+              <a:t>年，</a:t>
+            </a:r>
+            <a:r>
+              <a:rPr lang="en-US" altLang="zh-CN" dirty="0" smtClean="0"/>
+              <a:t>v0.9</a:t>
+            </a:r>
+            <a:r>
+              <a:rPr lang="zh-CN" altLang="en-US" dirty="0" smtClean="0"/>
+              <a:t>：</a:t>
+            </a:r>
+            <a:r>
+              <a:rPr lang="en-US" altLang="zh-CN" dirty="0" smtClean="0"/>
+              <a:t>Rod</a:t>
+            </a:r>
+            <a:r>
+              <a:rPr lang="zh-CN" altLang="en-US" dirty="0" smtClean="0"/>
+              <a:t> </a:t>
+            </a:r>
+            <a:r>
+              <a:rPr lang="en-US" altLang="zh-CN" dirty="0" smtClean="0"/>
+              <a:t>Johnson</a:t>
+            </a:r>
+            <a:r>
+              <a:rPr lang="zh-CN" altLang="en-US" dirty="0" smtClean="0"/>
+              <a:t>推出第一个版本</a:t>
+            </a:r>
+            <a:endParaRPr lang="en-US" altLang="zh-CN" dirty="0" smtClean="0"/>
+          </a:p>
+          <a:p>
+            <a:r>
+              <a:rPr lang="en-US" altLang="zh-CN" dirty="0" smtClean="0"/>
+              <a:t>2004</a:t>
+            </a:r>
+            <a:r>
+              <a:rPr lang="zh-CN" altLang="en-US" dirty="0" smtClean="0"/>
+              <a:t>年，</a:t>
+            </a:r>
+            <a:r>
+              <a:rPr lang="en-US" altLang="zh-CN" dirty="0" smtClean="0"/>
+              <a:t>v1.x</a:t>
+            </a:r>
+            <a:r>
+              <a:rPr lang="zh-CN" altLang="en-US" dirty="0" smtClean="0"/>
+              <a:t>：只能使用</a:t>
+            </a:r>
+            <a:r>
+              <a:rPr lang="en-US" altLang="zh-CN" dirty="0" smtClean="0"/>
+              <a:t>XML</a:t>
+            </a:r>
+            <a:r>
+              <a:rPr lang="zh-CN" altLang="en-US" dirty="0" smtClean="0"/>
+              <a:t>配置</a:t>
+            </a:r>
+            <a:endParaRPr lang="en-US" altLang="zh-CN" dirty="0" smtClean="0"/>
+          </a:p>
+          <a:p>
+            <a:r>
+              <a:rPr lang="en-US" altLang="zh-CN" dirty="0" smtClean="0"/>
+              <a:t>2006</a:t>
+            </a:r>
+            <a:r>
+              <a:rPr lang="zh-CN" altLang="en-US" dirty="0" smtClean="0"/>
+              <a:t>年，</a:t>
+            </a:r>
+            <a:r>
+              <a:rPr lang="en-US" altLang="zh-CN" dirty="0" smtClean="0"/>
+              <a:t>v2.x</a:t>
+            </a:r>
+            <a:r>
+              <a:rPr lang="zh-CN" altLang="en-US" dirty="0" smtClean="0"/>
+              <a:t>：引入少量的注解，</a:t>
+            </a:r>
+            <a:r>
+              <a:rPr lang="en-US" altLang="zh-CN" dirty="0" smtClean="0"/>
+              <a:t>@Component</a:t>
+            </a:r>
+            <a:r>
+              <a:rPr lang="zh-CN" altLang="en-US" dirty="0" smtClean="0"/>
+              <a:t>，</a:t>
+            </a:r>
+            <a:r>
+              <a:rPr lang="en-US" altLang="zh-CN" dirty="0" smtClean="0"/>
+              <a:t>@Service</a:t>
+            </a:r>
+          </a:p>
+          <a:p>
+            <a:r>
+              <a:rPr lang="en-US" altLang="zh-CN" dirty="0" smtClean="0"/>
+              <a:t>2009</a:t>
+            </a:r>
+            <a:r>
+              <a:rPr lang="zh-CN" altLang="en-US" dirty="0" smtClean="0"/>
+              <a:t>年，</a:t>
+            </a:r>
+            <a:r>
+              <a:rPr lang="en-US" altLang="zh-CN" dirty="0" smtClean="0"/>
+              <a:t>v3.x</a:t>
+            </a:r>
+            <a:r>
+              <a:rPr lang="zh-CN" altLang="en-US" dirty="0" smtClean="0"/>
+              <a:t>：引入更多注解，</a:t>
+            </a:r>
+            <a:r>
+              <a:rPr lang="en-US" altLang="zh-CN" dirty="0" smtClean="0"/>
+              <a:t>@Controller</a:t>
+            </a:r>
+          </a:p>
+          <a:p>
+            <a:r>
+              <a:rPr lang="en-US" altLang="zh-CN" dirty="0" smtClean="0"/>
+              <a:t>2013</a:t>
+            </a:r>
+            <a:r>
+              <a:rPr lang="zh-CN" altLang="en-US" dirty="0" smtClean="0"/>
+              <a:t>年，</a:t>
+            </a:r>
+            <a:r>
+              <a:rPr lang="en-US" altLang="zh-CN" dirty="0" smtClean="0"/>
+              <a:t>v4.x</a:t>
+            </a:r>
+            <a:r>
+              <a:rPr lang="zh-CN" altLang="en-US" dirty="0" smtClean="0"/>
+              <a:t>：可以完全脱离</a:t>
+            </a:r>
+            <a:r>
+              <a:rPr lang="en-US" altLang="zh-CN" dirty="0" smtClean="0"/>
+              <a:t>XML</a:t>
+            </a:r>
+            <a:r>
+              <a:rPr lang="zh-CN" altLang="en-US" dirty="0" smtClean="0"/>
+              <a:t>，引入</a:t>
+            </a:r>
+            <a:r>
+              <a:rPr lang="en-US" altLang="zh-CN" dirty="0" smtClean="0"/>
+              <a:t>JDK8</a:t>
+            </a:r>
+            <a:r>
+              <a:rPr lang="zh-CN" altLang="en-US" dirty="0" smtClean="0"/>
+              <a:t>，</a:t>
+            </a:r>
+            <a:r>
+              <a:rPr lang="en-US" altLang="zh-CN" dirty="0" err="1" smtClean="0"/>
+              <a:t>WebSocket</a:t>
+            </a:r>
+            <a:r>
+              <a:rPr lang="zh-CN" altLang="en-US" dirty="0" smtClean="0"/>
+              <a:t>等</a:t>
+            </a:r>
+            <a:endParaRPr lang="en-US" altLang="zh-CN" dirty="0" smtClean="0"/>
+          </a:p>
+          <a:p>
+            <a:r>
+              <a:rPr lang="en-US" altLang="zh-CN" dirty="0" smtClean="0"/>
+              <a:t>2017</a:t>
+            </a:r>
+            <a:r>
+              <a:rPr lang="zh-CN" altLang="en-US" dirty="0" smtClean="0"/>
+              <a:t>年，</a:t>
+            </a:r>
+            <a:r>
+              <a:rPr lang="en-US" altLang="zh-CN" dirty="0" smtClean="0"/>
+              <a:t>v5.x</a:t>
+            </a:r>
+            <a:r>
+              <a:rPr lang="zh-CN" altLang="en-US" dirty="0" smtClean="0"/>
+              <a:t>：引入反应式编程模型</a:t>
+            </a:r>
+            <a:endParaRPr lang="en-US" dirty="0"/>
+          </a:p>
+        </p:txBody>
+      </p:sp>
+    </p:spTree>
+    <p:extLst>
+      <p:ext uri="{BB962C8B-B14F-4D97-AF65-F5344CB8AC3E}">
+        <p14:creationId xmlns:p14="http://schemas.microsoft.com/office/powerpoint/2010/main" val="1680984783"/>
+      </p:ext>
+    </p:extLst>
+  </p:cSld>
+  <p:clrMapOvr>
+    <a:masterClrMapping/>
+  </p:clrMapOvr>
+  <p:timing>
+    <p:tnLst>
+      <p:par>
+        <p:cTn id="1" dur="indefinite" restart="never" nodeType="tmRoot"/>
+      </p:par>
+    </p:tnLst>
+  </p:timing>
+</p:sld>
+</file>
+
+<file path=ppt/slides/slide13.xml><?xml version="1.0" encoding="utf-8"?>
+<p:sld xmlns:a="http://schemas.openxmlformats.org/drawingml/2006/main" xmlns:r="http://schemas.openxmlformats.org/officeDocument/2006/relationships" xmlns:p="http://schemas.openxmlformats.org/presentationml/2006/main">
+  <p:cSld>
+    <p:spTree>
+      <p:nvGrpSpPr>
+        <p:cNvPr id="1" name=""/>
+        <p:cNvGrpSpPr/>
+        <p:nvPr/>
+      </p:nvGrpSpPr>
+      <p:grpSpPr>
+        <a:xfrm>
+          <a:off x="0" y="0"/>
+          <a:ext cx="0" cy="0"/>
+          <a:chOff x="0" y="0"/>
+          <a:chExt cx="0" cy="0"/>
+        </a:xfrm>
+      </p:grpSpPr>
+      <p:sp>
+        <p:nvSpPr>
+          <p:cNvPr id="2" name="Title 1"/>
+          <p:cNvSpPr>
+            <a:spLocks noGrp="1"/>
+          </p:cNvSpPr>
+          <p:nvPr>
+            <p:ph type="title"/>
+          </p:nvPr>
+        </p:nvSpPr>
+        <p:spPr/>
+        <p:txBody>
+          <a:bodyPr/>
+          <a:lstStyle/>
+          <a:p>
+            <a:r>
+              <a:rPr lang="zh-CN" altLang="en-US" dirty="0" smtClean="0"/>
+              <a:t>创建一个</a:t>
+            </a:r>
+            <a:r>
+              <a:rPr lang="en-US" altLang="zh-CN" dirty="0" smtClean="0"/>
+              <a:t>bean</a:t>
+            </a:r>
+            <a:r>
+              <a:rPr lang="zh-CN" altLang="en-US" dirty="0" smtClean="0"/>
+              <a:t>的几种方式</a:t>
+            </a:r>
+            <a:endParaRPr lang="en-US" dirty="0"/>
+          </a:p>
+        </p:txBody>
+      </p:sp>
+      <p:sp>
+        <p:nvSpPr>
+          <p:cNvPr id="3" name="Content Placeholder 2"/>
+          <p:cNvSpPr>
+            <a:spLocks noGrp="1"/>
+          </p:cNvSpPr>
+          <p:nvPr>
+            <p:ph idx="1"/>
+          </p:nvPr>
+        </p:nvSpPr>
+        <p:spPr/>
+        <p:txBody>
+          <a:bodyPr/>
+          <a:lstStyle/>
+          <a:p>
+            <a:r>
+              <a:rPr lang="en-US" altLang="zh-CN" dirty="0" smtClean="0"/>
+              <a:t>XML</a:t>
+            </a:r>
+            <a:r>
+              <a:rPr lang="zh-CN" altLang="en-US" dirty="0" smtClean="0"/>
+              <a:t>中的</a:t>
+            </a:r>
+            <a:r>
+              <a:rPr lang="en-US" altLang="zh-CN" dirty="0" smtClean="0"/>
+              <a:t>&lt;bean&gt;</a:t>
+            </a:r>
+          </a:p>
+          <a:p>
+            <a:r>
+              <a:rPr lang="en-US" altLang="zh-CN" dirty="0" smtClean="0"/>
+              <a:t>@Bean</a:t>
+            </a:r>
+            <a:r>
+              <a:rPr lang="zh-CN" altLang="en-US" dirty="0" smtClean="0"/>
+              <a:t>注解在类上</a:t>
+            </a:r>
+            <a:endParaRPr lang="en-US" altLang="zh-CN" dirty="0" smtClean="0"/>
+          </a:p>
+          <a:p>
+            <a:r>
+              <a:rPr lang="en-US" altLang="zh-CN" dirty="0" smtClean="0"/>
+              <a:t>@Bean</a:t>
+            </a:r>
+            <a:r>
+              <a:rPr lang="zh-CN" altLang="en-US" dirty="0" smtClean="0"/>
+              <a:t>注解在方法上</a:t>
+            </a:r>
+            <a:endParaRPr lang="en-US" dirty="0"/>
+          </a:p>
+        </p:txBody>
+      </p:sp>
+    </p:spTree>
+    <p:extLst>
+      <p:ext uri="{BB962C8B-B14F-4D97-AF65-F5344CB8AC3E}">
+        <p14:creationId xmlns:p14="http://schemas.microsoft.com/office/powerpoint/2010/main" val="137577268"/>
+      </p:ext>
+    </p:extLst>
+  </p:cSld>
+  <p:clrMapOvr>
+    <a:masterClrMapping/>
+  </p:clrMapOvr>
+  <p:timing>
+    <p:tnLst>
+      <p:par>
+        <p:cTn id="1" dur="indefinite" restart="never" nodeType="tmRoot"/>
+      </p:par>
+    </p:tnLst>
+  </p:timing>
+</p:sld>
+</file>
+
+<file path=ppt/slides/slide14.xml><?xml version="1.0" encoding="utf-8"?>
+<p:sld xmlns:a="http://schemas.openxmlformats.org/drawingml/2006/main" xmlns:r="http://schemas.openxmlformats.org/officeDocument/2006/relationships" xmlns:p="http://schemas.openxmlformats.org/presentationml/2006/main">
+  <p:cSld>
+    <p:spTree>
+      <p:nvGrpSpPr>
+        <p:cNvPr id="1" name=""/>
+        <p:cNvGrpSpPr/>
+        <p:nvPr/>
+      </p:nvGrpSpPr>
+      <p:grpSpPr>
+        <a:xfrm>
+          <a:off x="0" y="0"/>
+          <a:ext cx="0" cy="0"/>
+          <a:chOff x="0" y="0"/>
+          <a:chExt cx="0" cy="0"/>
+        </a:xfrm>
+      </p:grpSpPr>
+      <p:sp>
+        <p:nvSpPr>
+          <p:cNvPr id="2" name="Title 1"/>
+          <p:cNvSpPr>
+            <a:spLocks noGrp="1"/>
+          </p:cNvSpPr>
+          <p:nvPr>
+            <p:ph type="title"/>
+          </p:nvPr>
+        </p:nvSpPr>
+        <p:spPr/>
+        <p:txBody>
+          <a:bodyPr/>
+          <a:lstStyle/>
+          <a:p>
+            <a:r>
               <a:rPr lang="en-US" altLang="zh-CN" dirty="0" smtClean="0"/>
               <a:t>Spring</a:t>
             </a:r>
@@ -3209,7 +3947,7 @@
 </p:sld>
 </file>
 
-<file path=ppt/slides/slide11.xml><?xml version="1.0" encoding="utf-8"?>
+<file path=ppt/slides/slide15.xml><?xml version="1.0" encoding="utf-8"?>
 <p:sld xmlns:a="http://schemas.openxmlformats.org/drawingml/2006/main" xmlns:r="http://schemas.openxmlformats.org/officeDocument/2006/relationships" xmlns:p="http://schemas.openxmlformats.org/presentationml/2006/main">
   <p:cSld>
     <p:spTree>
@@ -3493,7 +4231,7 @@
 </p:sld>
 </file>
 
-<file path=ppt/slides/slide12.xml><?xml version="1.0" encoding="utf-8"?>
+<file path=ppt/slides/slide16.xml><?xml version="1.0" encoding="utf-8"?>
 <p:sld xmlns:a="http://schemas.openxmlformats.org/drawingml/2006/main" xmlns:r="http://schemas.openxmlformats.org/officeDocument/2006/relationships" xmlns:p="http://schemas.openxmlformats.org/presentationml/2006/main">
   <p:cSld>
     <p:spTree>
@@ -3641,7 +4379,7 @@
 </p:sld>
 </file>
 
-<file path=ppt/slides/slide13.xml><?xml version="1.0" encoding="utf-8"?>
+<file path=ppt/slides/slide17.xml><?xml version="1.0" encoding="utf-8"?>
 <p:sld xmlns:a="http://schemas.openxmlformats.org/drawingml/2006/main" xmlns:r="http://schemas.openxmlformats.org/officeDocument/2006/relationships" xmlns:p="http://schemas.openxmlformats.org/presentationml/2006/main">
   <p:cSld>
     <p:spTree>
@@ -3860,7 +4598,7 @@
 </p:sld>
 </file>
 
-<file path=ppt/slides/slide14.xml><?xml version="1.0" encoding="utf-8"?>
+<file path=ppt/slides/slide18.xml><?xml version="1.0" encoding="utf-8"?>
 <p:sld xmlns:a="http://schemas.openxmlformats.org/drawingml/2006/main" xmlns:r="http://schemas.openxmlformats.org/officeDocument/2006/relationships" xmlns:p="http://schemas.openxmlformats.org/presentationml/2006/main">
   <p:cSld>
     <p:spTree>
@@ -4045,7 +4783,7 @@
 </p:sld>
 </file>
 
-<file path=ppt/slides/slide15.xml><?xml version="1.0" encoding="utf-8"?>
+<file path=ppt/slides/slide19.xml><?xml version="1.0" encoding="utf-8"?>
 <p:sld xmlns:a="http://schemas.openxmlformats.org/drawingml/2006/main" xmlns:r="http://schemas.openxmlformats.org/officeDocument/2006/relationships" xmlns:p="http://schemas.openxmlformats.org/presentationml/2006/main">
   <p:cSld>
     <p:spTree>
@@ -4148,7 +4886,242 @@
 </p:sld>
 </file>
 
-<file path=ppt/slides/slide16.xml><?xml version="1.0" encoding="utf-8"?>
+<file path=ppt/slides/slide2.xml><?xml version="1.0" encoding="utf-8"?>
+<p:sld xmlns:a="http://schemas.openxmlformats.org/drawingml/2006/main" xmlns:r="http://schemas.openxmlformats.org/officeDocument/2006/relationships" xmlns:p="http://schemas.openxmlformats.org/presentationml/2006/main">
+  <p:cSld>
+    <p:spTree>
+      <p:nvGrpSpPr>
+        <p:cNvPr id="1" name=""/>
+        <p:cNvGrpSpPr/>
+        <p:nvPr/>
+      </p:nvGrpSpPr>
+      <p:grpSpPr>
+        <a:xfrm>
+          <a:off x="0" y="0"/>
+          <a:ext cx="0" cy="0"/>
+          <a:chOff x="0" y="0"/>
+          <a:chExt cx="0" cy="0"/>
+        </a:xfrm>
+      </p:grpSpPr>
+      <p:sp>
+        <p:nvSpPr>
+          <p:cNvPr id="2" name="Title 1"/>
+          <p:cNvSpPr>
+            <a:spLocks noGrp="1"/>
+          </p:cNvSpPr>
+          <p:nvPr>
+            <p:ph type="title"/>
+          </p:nvPr>
+        </p:nvSpPr>
+        <p:spPr/>
+        <p:txBody>
+          <a:bodyPr/>
+          <a:lstStyle/>
+          <a:p>
+            <a:r>
+              <a:rPr lang="zh-CN" altLang="en-US" dirty="0" smtClean="0"/>
+              <a:t>自我介绍</a:t>
+            </a:r>
+            <a:endParaRPr lang="en-US" dirty="0"/>
+          </a:p>
+        </p:txBody>
+      </p:sp>
+      <p:sp>
+        <p:nvSpPr>
+          <p:cNvPr id="3" name="Content Placeholder 2"/>
+          <p:cNvSpPr>
+            <a:spLocks noGrp="1"/>
+          </p:cNvSpPr>
+          <p:nvPr>
+            <p:ph idx="1"/>
+          </p:nvPr>
+        </p:nvSpPr>
+        <p:spPr/>
+        <p:txBody>
+          <a:bodyPr/>
+          <a:lstStyle/>
+          <a:p>
+            <a:pPr>
+              <a:lnSpc>
+                <a:spcPct val="100000"/>
+              </a:lnSpc>
+              <a:spcBef>
+                <a:spcPts val="0"/>
+              </a:spcBef>
+            </a:pPr>
+            <a:r>
+              <a:rPr lang="zh-CN" altLang="en-US" dirty="0" smtClean="0"/>
+              <a:t>刘爽</a:t>
+            </a:r>
+            <a:endParaRPr lang="en-US" altLang="zh-CN" dirty="0" smtClean="0"/>
+          </a:p>
+          <a:p>
+            <a:pPr>
+              <a:lnSpc>
+                <a:spcPct val="100000"/>
+              </a:lnSpc>
+              <a:spcBef>
+                <a:spcPts val="0"/>
+              </a:spcBef>
+            </a:pPr>
+            <a:endParaRPr lang="en-US" altLang="zh-CN" dirty="0" smtClean="0"/>
+          </a:p>
+          <a:p>
+            <a:pPr>
+              <a:lnSpc>
+                <a:spcPct val="100000"/>
+              </a:lnSpc>
+              <a:spcBef>
+                <a:spcPts val="0"/>
+              </a:spcBef>
+            </a:pPr>
+            <a:r>
+              <a:rPr lang="en-US" altLang="zh-CN" dirty="0" smtClean="0"/>
+              <a:t>2012</a:t>
+            </a:r>
+            <a:r>
+              <a:rPr lang="zh-CN" altLang="en-US" dirty="0" smtClean="0"/>
+              <a:t>年 人人网</a:t>
+            </a:r>
+            <a:r>
+              <a:rPr lang="en-US" altLang="zh-CN" dirty="0" smtClean="0"/>
+              <a:t>UGC</a:t>
+            </a:r>
+            <a:r>
+              <a:rPr lang="zh-CN" altLang="en-US" dirty="0" smtClean="0"/>
+              <a:t>平台</a:t>
+            </a:r>
+            <a:endParaRPr lang="en-US" altLang="zh-CN" dirty="0" smtClean="0"/>
+          </a:p>
+          <a:p>
+            <a:pPr>
+              <a:lnSpc>
+                <a:spcPct val="100000"/>
+              </a:lnSpc>
+              <a:spcBef>
+                <a:spcPts val="0"/>
+              </a:spcBef>
+            </a:pPr>
+            <a:r>
+              <a:rPr lang="en-US" altLang="zh-CN" dirty="0" smtClean="0"/>
+              <a:t>2013</a:t>
+            </a:r>
+            <a:r>
+              <a:rPr lang="zh-CN" altLang="en-US" dirty="0" smtClean="0"/>
+              <a:t>年 淘宝技术部</a:t>
+            </a:r>
+            <a:endParaRPr lang="en-US" altLang="zh-CN" dirty="0" smtClean="0"/>
+          </a:p>
+          <a:p>
+            <a:pPr>
+              <a:lnSpc>
+                <a:spcPct val="100000"/>
+              </a:lnSpc>
+              <a:spcBef>
+                <a:spcPts val="0"/>
+              </a:spcBef>
+            </a:pPr>
+            <a:r>
+              <a:rPr lang="en-US" altLang="zh-CN" dirty="0" smtClean="0"/>
+              <a:t>2017</a:t>
+            </a:r>
+            <a:r>
+              <a:rPr lang="zh-CN" altLang="en-US" dirty="0" smtClean="0"/>
+              <a:t>年 优酷</a:t>
+            </a:r>
+            <a:r>
+              <a:rPr lang="en-US" altLang="zh-CN" dirty="0" smtClean="0"/>
+              <a:t>app</a:t>
+            </a:r>
+            <a:r>
+              <a:rPr lang="zh-CN" altLang="en-US" dirty="0" smtClean="0"/>
+              <a:t>基础平台</a:t>
+            </a:r>
+            <a:endParaRPr lang="en-US" altLang="zh-CN" dirty="0" smtClean="0"/>
+          </a:p>
+          <a:p>
+            <a:pPr>
+              <a:lnSpc>
+                <a:spcPct val="100000"/>
+              </a:lnSpc>
+              <a:spcBef>
+                <a:spcPts val="0"/>
+              </a:spcBef>
+            </a:pPr>
+            <a:r>
+              <a:rPr lang="en-US" altLang="zh-CN" dirty="0" smtClean="0"/>
+              <a:t>2018</a:t>
+            </a:r>
+            <a:r>
+              <a:rPr lang="zh-CN" altLang="en-US" dirty="0" smtClean="0"/>
+              <a:t>年 </a:t>
+            </a:r>
+            <a:r>
+              <a:rPr lang="en-US" altLang="zh-CN" dirty="0" smtClean="0"/>
+              <a:t>Line</a:t>
+            </a:r>
+            <a:r>
+              <a:rPr lang="zh-CN" altLang="en-US" dirty="0" smtClean="0"/>
+              <a:t> </a:t>
+            </a:r>
+            <a:r>
+              <a:rPr lang="en-US" altLang="zh-CN" dirty="0" smtClean="0"/>
+              <a:t>China</a:t>
+            </a:r>
+          </a:p>
+          <a:p>
+            <a:pPr>
+              <a:lnSpc>
+                <a:spcPct val="100000"/>
+              </a:lnSpc>
+              <a:spcBef>
+                <a:spcPts val="0"/>
+              </a:spcBef>
+            </a:pPr>
+            <a:endParaRPr lang="en-US" altLang="zh-CN" dirty="0"/>
+          </a:p>
+          <a:p>
+            <a:pPr>
+              <a:lnSpc>
+                <a:spcPct val="100000"/>
+              </a:lnSpc>
+              <a:spcBef>
+                <a:spcPts val="0"/>
+              </a:spcBef>
+            </a:pPr>
+            <a:r>
+              <a:rPr lang="zh-CN" altLang="en-US" dirty="0" smtClean="0"/>
+              <a:t>电话</a:t>
+            </a:r>
+            <a:r>
+              <a:rPr lang="en-US" altLang="zh-CN" dirty="0" smtClean="0"/>
+              <a:t>&amp;</a:t>
+            </a:r>
+            <a:r>
+              <a:rPr lang="zh-CN" altLang="en-US" dirty="0" smtClean="0"/>
+              <a:t>微信：</a:t>
+            </a:r>
+            <a:r>
+              <a:rPr lang="en-US" altLang="zh-CN" dirty="0" smtClean="0"/>
+              <a:t>18510331310</a:t>
+            </a:r>
+          </a:p>
+        </p:txBody>
+      </p:sp>
+    </p:spTree>
+    <p:extLst>
+      <p:ext uri="{BB962C8B-B14F-4D97-AF65-F5344CB8AC3E}">
+        <p14:creationId xmlns:p14="http://schemas.microsoft.com/office/powerpoint/2010/main" val="62182512"/>
+      </p:ext>
+    </p:extLst>
+  </p:cSld>
+  <p:clrMapOvr>
+    <a:masterClrMapping/>
+  </p:clrMapOvr>
+</p:sld>
+</file>
+
+<file path=ppt/slides/slide20.xml><?xml version="1.0" encoding="utf-8"?>
 <p:sld xmlns:a="http://schemas.openxmlformats.org/drawingml/2006/main" xmlns:r="http://schemas.openxmlformats.org/officeDocument/2006/relationships" xmlns:p="http://schemas.openxmlformats.org/presentationml/2006/main">
   <p:cSld>
     <p:spTree>
@@ -4397,7 +5370,284 @@
 </p:sld>
 </file>
 
-<file path=ppt/slides/slide17.xml><?xml version="1.0" encoding="utf-8"?>
+<file path=ppt/slides/slide21.xml><?xml version="1.0" encoding="utf-8"?>
+<p:sld xmlns:a="http://schemas.openxmlformats.org/drawingml/2006/main" xmlns:r="http://schemas.openxmlformats.org/officeDocument/2006/relationships" xmlns:p="http://schemas.openxmlformats.org/presentationml/2006/main">
+  <p:cSld>
+    <p:spTree>
+      <p:nvGrpSpPr>
+        <p:cNvPr id="1" name=""/>
+        <p:cNvGrpSpPr/>
+        <p:nvPr/>
+      </p:nvGrpSpPr>
+      <p:grpSpPr>
+        <a:xfrm>
+          <a:off x="0" y="0"/>
+          <a:ext cx="0" cy="0"/>
+          <a:chOff x="0" y="0"/>
+          <a:chExt cx="0" cy="0"/>
+        </a:xfrm>
+      </p:grpSpPr>
+      <p:sp>
+        <p:nvSpPr>
+          <p:cNvPr id="2" name="Title 1"/>
+          <p:cNvSpPr>
+            <a:spLocks noGrp="1"/>
+          </p:cNvSpPr>
+          <p:nvPr>
+            <p:ph type="title"/>
+          </p:nvPr>
+        </p:nvSpPr>
+        <p:spPr/>
+        <p:txBody>
+          <a:bodyPr/>
+          <a:lstStyle/>
+          <a:p>
+            <a:r>
+              <a:rPr lang="en-US" altLang="zh-CN" dirty="0" err="1" smtClean="0"/>
+              <a:t>SpringMVC</a:t>
+            </a:r>
+            <a:r>
+              <a:rPr lang="zh-CN" altLang="en-US" dirty="0" smtClean="0"/>
+              <a:t>运行原理</a:t>
+            </a:r>
+            <a:endParaRPr lang="en-US" dirty="0"/>
+          </a:p>
+        </p:txBody>
+      </p:sp>
+      <p:sp>
+        <p:nvSpPr>
+          <p:cNvPr id="3" name="Content Placeholder 2"/>
+          <p:cNvSpPr>
+            <a:spLocks noGrp="1"/>
+          </p:cNvSpPr>
+          <p:nvPr>
+            <p:ph idx="1"/>
+          </p:nvPr>
+        </p:nvSpPr>
+        <p:spPr/>
+        <p:txBody>
+          <a:bodyPr/>
+          <a:lstStyle/>
+          <a:p>
+            <a:endParaRPr lang="en-US" dirty="0"/>
+          </a:p>
+        </p:txBody>
+      </p:sp>
+      <p:pic>
+        <p:nvPicPr>
+          <p:cNvPr id="1026" name="Picture 2" descr="https://img-blog.csdn.net/20160427094830780"/>
+          <p:cNvPicPr>
+            <a:picLocks noChangeAspect="1" noChangeArrowheads="1"/>
+          </p:cNvPicPr>
+          <p:nvPr/>
+        </p:nvPicPr>
+        <p:blipFill>
+          <a:blip r:embed="rId2">
+            <a:extLst>
+              <a:ext uri="{28A0092B-C50C-407E-A947-70E740481C1C}">
+                <a14:useLocalDpi xmlns:a14="http://schemas.microsoft.com/office/drawing/2010/main" val="0"/>
+              </a:ext>
+            </a:extLst>
+          </a:blip>
+          <a:srcRect/>
+          <a:stretch>
+            <a:fillRect/>
+          </a:stretch>
+        </p:blipFill>
+        <p:spPr bwMode="auto">
+          <a:xfrm>
+            <a:off x="838199" y="1690688"/>
+            <a:ext cx="9364579" cy="5062345"/>
+          </a:xfrm>
+          <a:prstGeom prst="rect">
+            <a:avLst/>
+          </a:prstGeom>
+          <a:noFill/>
+          <a:extLst>
+            <a:ext uri="{909E8E84-426E-40DD-AFC4-6F175D3DCCD1}">
+              <a14:hiddenFill xmlns:a14="http://schemas.microsoft.com/office/drawing/2010/main">
+                <a:solidFill>
+                  <a:srgbClr val="FFFFFF"/>
+                </a:solidFill>
+              </a14:hiddenFill>
+            </a:ext>
+          </a:extLst>
+        </p:spPr>
+      </p:pic>
+    </p:spTree>
+    <p:extLst>
+      <p:ext uri="{BB962C8B-B14F-4D97-AF65-F5344CB8AC3E}">
+        <p14:creationId xmlns:p14="http://schemas.microsoft.com/office/powerpoint/2010/main" val="690250390"/>
+      </p:ext>
+    </p:extLst>
+  </p:cSld>
+  <p:clrMapOvr>
+    <a:masterClrMapping/>
+  </p:clrMapOvr>
+</p:sld>
+</file>
+
+<file path=ppt/slides/slide22.xml><?xml version="1.0" encoding="utf-8"?>
+<p:sld xmlns:a="http://schemas.openxmlformats.org/drawingml/2006/main" xmlns:r="http://schemas.openxmlformats.org/officeDocument/2006/relationships" xmlns:p="http://schemas.openxmlformats.org/presentationml/2006/main">
+  <p:cSld>
+    <p:spTree>
+      <p:nvGrpSpPr>
+        <p:cNvPr id="1" name=""/>
+        <p:cNvGrpSpPr/>
+        <p:nvPr/>
+      </p:nvGrpSpPr>
+      <p:grpSpPr>
+        <a:xfrm>
+          <a:off x="0" y="0"/>
+          <a:ext cx="0" cy="0"/>
+          <a:chOff x="0" y="0"/>
+          <a:chExt cx="0" cy="0"/>
+        </a:xfrm>
+      </p:grpSpPr>
+      <p:sp>
+        <p:nvSpPr>
+          <p:cNvPr id="2" name="Title 1"/>
+          <p:cNvSpPr>
+            <a:spLocks noGrp="1"/>
+          </p:cNvSpPr>
+          <p:nvPr>
+            <p:ph type="title"/>
+          </p:nvPr>
+        </p:nvSpPr>
+        <p:spPr/>
+        <p:txBody>
+          <a:bodyPr/>
+          <a:lstStyle/>
+          <a:p>
+            <a:r>
+              <a:rPr lang="zh-CN" altLang="en-US" dirty="0" smtClean="0"/>
+              <a:t>创建一个</a:t>
+            </a:r>
+            <a:r>
+              <a:rPr lang="en-US" altLang="zh-CN" dirty="0" err="1" smtClean="0"/>
+              <a:t>SpringMVC</a:t>
+            </a:r>
+            <a:r>
+              <a:rPr lang="zh-CN" altLang="en-US" dirty="0" smtClean="0"/>
+              <a:t>的</a:t>
+            </a:r>
+            <a:r>
+              <a:rPr lang="en-US" altLang="zh-CN" dirty="0" smtClean="0"/>
+              <a:t>demo</a:t>
+            </a:r>
+            <a:endParaRPr lang="en-US" dirty="0"/>
+          </a:p>
+        </p:txBody>
+      </p:sp>
+      <p:sp>
+        <p:nvSpPr>
+          <p:cNvPr id="3" name="Content Placeholder 2"/>
+          <p:cNvSpPr>
+            <a:spLocks noGrp="1"/>
+          </p:cNvSpPr>
+          <p:nvPr>
+            <p:ph idx="1"/>
+          </p:nvPr>
+        </p:nvSpPr>
+        <p:spPr/>
+        <p:txBody>
+          <a:bodyPr/>
+          <a:lstStyle/>
+          <a:p>
+            <a:endParaRPr lang="en-US"/>
+          </a:p>
+        </p:txBody>
+      </p:sp>
+    </p:spTree>
+    <p:extLst>
+      <p:ext uri="{BB962C8B-B14F-4D97-AF65-F5344CB8AC3E}">
+        <p14:creationId xmlns:p14="http://schemas.microsoft.com/office/powerpoint/2010/main" val="203087368"/>
+      </p:ext>
+    </p:extLst>
+  </p:cSld>
+  <p:clrMapOvr>
+    <a:masterClrMapping/>
+  </p:clrMapOvr>
+</p:sld>
+</file>
+
+<file path=ppt/slides/slide23.xml><?xml version="1.0" encoding="utf-8"?>
+<p:sld xmlns:a="http://schemas.openxmlformats.org/drawingml/2006/main" xmlns:r="http://schemas.openxmlformats.org/officeDocument/2006/relationships" xmlns:p="http://schemas.openxmlformats.org/presentationml/2006/main">
+  <p:cSld>
+    <p:spTree>
+      <p:nvGrpSpPr>
+        <p:cNvPr id="1" name=""/>
+        <p:cNvGrpSpPr/>
+        <p:nvPr/>
+      </p:nvGrpSpPr>
+      <p:grpSpPr>
+        <a:xfrm>
+          <a:off x="0" y="0"/>
+          <a:ext cx="0" cy="0"/>
+          <a:chOff x="0" y="0"/>
+          <a:chExt cx="0" cy="0"/>
+        </a:xfrm>
+      </p:grpSpPr>
+      <p:sp>
+        <p:nvSpPr>
+          <p:cNvPr id="2" name="Title 1"/>
+          <p:cNvSpPr>
+            <a:spLocks noGrp="1"/>
+          </p:cNvSpPr>
+          <p:nvPr>
+            <p:ph type="title"/>
+          </p:nvPr>
+        </p:nvSpPr>
+        <p:spPr/>
+        <p:txBody>
+          <a:bodyPr/>
+          <a:lstStyle/>
+          <a:p>
+            <a:r>
+              <a:rPr lang="zh-CN" altLang="en-US" dirty="0" smtClean="0"/>
+              <a:t>集成日志</a:t>
+            </a:r>
+            <a:r>
+              <a:rPr lang="en-US" altLang="zh-CN" dirty="0" err="1" smtClean="0"/>
+              <a:t>logback</a:t>
+            </a:r>
+            <a:endParaRPr lang="en-US" dirty="0"/>
+          </a:p>
+        </p:txBody>
+      </p:sp>
+      <p:sp>
+        <p:nvSpPr>
+          <p:cNvPr id="3" name="Content Placeholder 2"/>
+          <p:cNvSpPr>
+            <a:spLocks noGrp="1"/>
+          </p:cNvSpPr>
+          <p:nvPr>
+            <p:ph idx="1"/>
+          </p:nvPr>
+        </p:nvSpPr>
+        <p:spPr/>
+        <p:txBody>
+          <a:bodyPr/>
+          <a:lstStyle/>
+          <a:p>
+            <a:endParaRPr lang="en-US"/>
+          </a:p>
+        </p:txBody>
+      </p:sp>
+    </p:spTree>
+    <p:extLst>
+      <p:ext uri="{BB962C8B-B14F-4D97-AF65-F5344CB8AC3E}">
+        <p14:creationId xmlns:p14="http://schemas.microsoft.com/office/powerpoint/2010/main" val="18984195"/>
+      </p:ext>
+    </p:extLst>
+  </p:cSld>
+  <p:clrMapOvr>
+    <a:masterClrMapping/>
+  </p:clrMapOvr>
+</p:sld>
+</file>
+
+<file path=ppt/slides/slide24.xml><?xml version="1.0" encoding="utf-8"?>
 <p:sld xmlns:a="http://schemas.openxmlformats.org/drawingml/2006/main" xmlns:r="http://schemas.openxmlformats.org/officeDocument/2006/relationships" xmlns:p="http://schemas.openxmlformats.org/presentationml/2006/main">
   <p:cSld>
     <p:spTree>
@@ -4561,7 +5811,7 @@
 </p:sld>
 </file>
 
-<file path=ppt/slides/slide18.xml><?xml version="1.0" encoding="utf-8"?>
+<file path=ppt/slides/slide25.xml><?xml version="1.0" encoding="utf-8"?>
 <p:sld xmlns:a="http://schemas.openxmlformats.org/drawingml/2006/main" xmlns:r="http://schemas.openxmlformats.org/officeDocument/2006/relationships" xmlns:p="http://schemas.openxmlformats.org/presentationml/2006/main">
   <p:cSld>
     <p:spTree>
@@ -4590,6 +5840,99 @@
         </p:nvSpPr>
         <p:spPr/>
         <p:txBody>
+          <a:bodyPr>
+            <a:normAutofit/>
+          </a:bodyPr>
+          <a:lstStyle/>
+          <a:p>
+            <a:r>
+              <a:rPr lang="zh-CN" altLang="en-US" dirty="0"/>
+              <a:t>对一个请求处理前后进行相关业务</a:t>
+            </a:r>
+            <a:r>
+              <a:rPr lang="zh-CN" altLang="en-US" dirty="0" smtClean="0"/>
+              <a:t>处理</a:t>
+            </a:r>
+            <a:endParaRPr lang="en-US" dirty="0"/>
+          </a:p>
+        </p:txBody>
+      </p:sp>
+      <p:sp>
+        <p:nvSpPr>
+          <p:cNvPr id="3" name="Content Placeholder 2"/>
+          <p:cNvSpPr>
+            <a:spLocks noGrp="1"/>
+          </p:cNvSpPr>
+          <p:nvPr>
+            <p:ph idx="1"/>
+          </p:nvPr>
+        </p:nvSpPr>
+        <p:spPr/>
+        <p:txBody>
+          <a:bodyPr/>
+          <a:lstStyle/>
+          <a:p>
+            <a:r>
+              <a:rPr lang="zh-CN" altLang="en-US" dirty="0"/>
+              <a:t>记录请求</a:t>
+            </a:r>
+            <a:r>
+              <a:rPr lang="zh-CN" altLang="en-US" dirty="0" smtClean="0"/>
+              <a:t>内容</a:t>
+            </a:r>
+            <a:endParaRPr lang="en-US" altLang="zh-CN" dirty="0" smtClean="0"/>
+          </a:p>
+          <a:p>
+            <a:r>
+              <a:rPr lang="zh-CN" altLang="en-US" dirty="0" smtClean="0"/>
+              <a:t>记录每个请求的响应时间</a:t>
+            </a:r>
+            <a:endParaRPr lang="en-US" altLang="zh-CN" dirty="0" smtClean="0"/>
+          </a:p>
+        </p:txBody>
+      </p:sp>
+    </p:spTree>
+    <p:extLst>
+      <p:ext uri="{BB962C8B-B14F-4D97-AF65-F5344CB8AC3E}">
+        <p14:creationId xmlns:p14="http://schemas.microsoft.com/office/powerpoint/2010/main" val="2119360413"/>
+      </p:ext>
+    </p:extLst>
+  </p:cSld>
+  <p:clrMapOvr>
+    <a:masterClrMapping/>
+  </p:clrMapOvr>
+</p:sld>
+</file>
+
+<file path=ppt/slides/slide26.xml><?xml version="1.0" encoding="utf-8"?>
+<p:sld xmlns:a="http://schemas.openxmlformats.org/drawingml/2006/main" xmlns:r="http://schemas.openxmlformats.org/officeDocument/2006/relationships" xmlns:p="http://schemas.openxmlformats.org/presentationml/2006/main">
+  <p:cSld>
+    <p:spTree>
+      <p:nvGrpSpPr>
+        <p:cNvPr id="1" name=""/>
+        <p:cNvGrpSpPr/>
+        <p:nvPr/>
+      </p:nvGrpSpPr>
+      <p:grpSpPr>
+        <a:xfrm>
+          <a:off x="0" y="0"/>
+          <a:ext cx="0" cy="0"/>
+          <a:chOff x="0" y="0"/>
+          <a:chExt cx="0" cy="0"/>
+        </a:xfrm>
+      </p:grpSpPr>
+      <p:sp>
+        <p:nvSpPr>
+          <p:cNvPr id="2" name="Title 1"/>
+          <p:cNvSpPr>
+            <a:spLocks noGrp="1"/>
+          </p:cNvSpPr>
+          <p:nvPr>
+            <p:ph type="title"/>
+          </p:nvPr>
+        </p:nvSpPr>
+        <p:spPr/>
+        <p:txBody>
           <a:bodyPr/>
           <a:lstStyle/>
           <a:p>
@@ -4616,10 +5959,6 @@
           <a:bodyPr/>
           <a:lstStyle/>
           <a:p>
-            <a:r>
-              <a:rPr lang="zh-CN" altLang="en-US" dirty="0" smtClean="0"/>
-              <a:t>实现对一个请求处理前后进行相关业务处理</a:t>
-            </a:r>
             <a:endParaRPr lang="en-US" dirty="0"/>
           </a:p>
         </p:txBody>
@@ -4806,7 +6145,7 @@
 </p:sld>
 </file>
 
-<file path=ppt/slides/slide19.xml><?xml version="1.0" encoding="utf-8"?>
+<file path=ppt/slides/slide27.xml><?xml version="1.0" encoding="utf-8"?>
 <p:sld xmlns:a="http://schemas.openxmlformats.org/drawingml/2006/main" xmlns:r="http://schemas.openxmlformats.org/officeDocument/2006/relationships" xmlns:p="http://schemas.openxmlformats.org/presentationml/2006/main">
   <p:cSld>
     <p:spTree>
@@ -4996,78 +6335,6 @@
 </p:sld>
 </file>
 
-<file path=ppt/slides/slide2.xml><?xml version="1.0" encoding="utf-8"?>
-<p:sld xmlns:a="http://schemas.openxmlformats.org/drawingml/2006/main" xmlns:r="http://schemas.openxmlformats.org/officeDocument/2006/relationships" xmlns:p="http://schemas.openxmlformats.org/presentationml/2006/main">
-  <p:cSld>
-    <p:spTree>
-      <p:nvGrpSpPr>
-        <p:cNvPr id="1" name=""/>
-        <p:cNvGrpSpPr/>
-        <p:nvPr/>
-      </p:nvGrpSpPr>
-      <p:grpSpPr>
-        <a:xfrm>
-          <a:off x="0" y="0"/>
-          <a:ext cx="0" cy="0"/>
-          <a:chOff x="0" y="0"/>
-          <a:chExt cx="0" cy="0"/>
-        </a:xfrm>
-      </p:grpSpPr>
-      <p:sp>
-        <p:nvSpPr>
-          <p:cNvPr id="2" name="Title 1"/>
-          <p:cNvSpPr>
-            <a:spLocks noGrp="1"/>
-          </p:cNvSpPr>
-          <p:nvPr>
-            <p:ph type="title"/>
-          </p:nvPr>
-        </p:nvSpPr>
-        <p:spPr/>
-        <p:txBody>
-          <a:bodyPr/>
-          <a:lstStyle/>
-          <a:p>
-            <a:r>
-              <a:rPr lang="zh-CN" altLang="en-US" dirty="0" smtClean="0"/>
-              <a:t>自我介绍</a:t>
-            </a:r>
-            <a:endParaRPr lang="en-US" dirty="0"/>
-          </a:p>
-        </p:txBody>
-      </p:sp>
-      <p:sp>
-        <p:nvSpPr>
-          <p:cNvPr id="3" name="Content Placeholder 2"/>
-          <p:cNvSpPr>
-            <a:spLocks noGrp="1"/>
-          </p:cNvSpPr>
-          <p:nvPr>
-            <p:ph idx="1"/>
-          </p:nvPr>
-        </p:nvSpPr>
-        <p:spPr/>
-        <p:txBody>
-          <a:bodyPr/>
-          <a:lstStyle/>
-          <a:p>
-            <a:endParaRPr lang="en-US"/>
-          </a:p>
-        </p:txBody>
-      </p:sp>
-    </p:spTree>
-    <p:extLst>
-      <p:ext uri="{BB962C8B-B14F-4D97-AF65-F5344CB8AC3E}">
-        <p14:creationId xmlns:p14="http://schemas.microsoft.com/office/powerpoint/2010/main" val="62182512"/>
-      </p:ext>
-    </p:extLst>
-  </p:cSld>
-  <p:clrMapOvr>
-    <a:masterClrMapping/>
-  </p:clrMapOvr>
-</p:sld>
-</file>
-
 <file path=ppt/slides/slide3.xml><?xml version="1.0" encoding="utf-8"?>
 <p:sld xmlns:a="http://schemas.openxmlformats.org/drawingml/2006/main" xmlns:r="http://schemas.openxmlformats.org/officeDocument/2006/relationships" xmlns:p="http://schemas.openxmlformats.org/presentationml/2006/main">
   <p:cSld>
@@ -5129,7 +6396,15 @@
             </a:r>
             <a:r>
               <a:rPr lang="zh-CN" altLang="en-US" dirty="0" smtClean="0"/>
-              <a:t>应用实践</a:t>
+              <a:t>应用实践（</a:t>
+            </a:r>
+            <a:r>
+              <a:rPr lang="en-US" altLang="zh-CN" dirty="0" smtClean="0"/>
+              <a:t>20</a:t>
+            </a:r>
+            <a:r>
+              <a:rPr lang="zh-CN" altLang="en-US" dirty="0" smtClean="0"/>
+              <a:t>课时）</a:t>
             </a:r>
             <a:endParaRPr lang="en-US" altLang="zh-CN" dirty="0" smtClean="0"/>
           </a:p>
@@ -5140,7 +6415,23 @@
             </a:r>
             <a:r>
               <a:rPr lang="zh-CN" altLang="en-US" dirty="0" smtClean="0"/>
-              <a:t>集成常用中间件</a:t>
+              <a:t>集成常用</a:t>
+            </a:r>
+            <a:r>
+              <a:rPr lang="zh-CN" altLang="en-US" dirty="0"/>
+              <a:t>中间件（</a:t>
+            </a:r>
+            <a:r>
+              <a:rPr lang="en-US" altLang="zh-CN" dirty="0"/>
+              <a:t>20</a:t>
+            </a:r>
+            <a:r>
+              <a:rPr lang="zh-CN" altLang="en-US" dirty="0"/>
+              <a:t>课时</a:t>
+            </a:r>
+            <a:r>
+              <a:rPr lang="zh-CN" altLang="en-US" dirty="0" smtClean="0"/>
+              <a:t>）</a:t>
             </a:r>
             <a:endParaRPr lang="en-US" altLang="zh-CN" dirty="0" smtClean="0"/>
           </a:p>
@@ -5151,14 +6442,38 @@
             </a:r>
             <a:r>
               <a:rPr lang="zh-CN" altLang="en-US" dirty="0" smtClean="0"/>
-              <a:t>及微服务架构实践</a:t>
+              <a:t>及微服务架构</a:t>
+            </a:r>
+            <a:r>
+              <a:rPr lang="zh-CN" altLang="en-US" dirty="0"/>
+              <a:t>实践（</a:t>
+            </a:r>
+            <a:r>
+              <a:rPr lang="en-US" altLang="zh-CN" dirty="0"/>
+              <a:t>20</a:t>
+            </a:r>
+            <a:r>
+              <a:rPr lang="zh-CN" altLang="en-US" dirty="0"/>
+              <a:t>课时）</a:t>
             </a:r>
             <a:endParaRPr lang="en-US" altLang="zh-CN" dirty="0" smtClean="0"/>
           </a:p>
           <a:p>
             <a:r>
               <a:rPr lang="zh-CN" altLang="en-US" dirty="0" smtClean="0"/>
-              <a:t>大型网络技术架构与案例分析</a:t>
+              <a:t>大型网络技术架构与案例</a:t>
+            </a:r>
+            <a:r>
+              <a:rPr lang="zh-CN" altLang="en-US" dirty="0"/>
+              <a:t>分析（</a:t>
+            </a:r>
+            <a:r>
+              <a:rPr lang="en-US" altLang="zh-CN" dirty="0"/>
+              <a:t>20</a:t>
+            </a:r>
+            <a:r>
+              <a:rPr lang="zh-CN" altLang="en-US" dirty="0"/>
+              <a:t>课时）</a:t>
             </a:r>
             <a:endParaRPr lang="en-US" dirty="0"/>
           </a:p>
@@ -5298,7 +6613,7 @@
           <a:p>
             <a:r>
               <a:rPr lang="zh-CN" altLang="en-US" dirty="0" smtClean="0"/>
-              <a:t>开发一个即时聊天程序</a:t>
+              <a:t>开发一个电子商务网站</a:t>
             </a:r>
             <a:endParaRPr lang="en-US" altLang="zh-CN" dirty="0" smtClean="0"/>
           </a:p>
@@ -5442,7 +6757,18 @@
             </a:r>
             <a:r>
               <a:rPr lang="en-US" altLang="zh-CN" dirty="0" err="1" smtClean="0"/>
-              <a:t>HBase</a:t>
+              <a:t>Hbase</a:t>
+            </a:r>
+            <a:endParaRPr lang="en-US" altLang="zh-CN" dirty="0" smtClean="0"/>
+          </a:p>
+          <a:p>
+            <a:r>
+              <a:rPr lang="zh-CN" altLang="en-US" dirty="0" smtClean="0"/>
+              <a:t>分布式协调框架</a:t>
+            </a:r>
+            <a:r>
+              <a:rPr lang="en-US" altLang="zh-CN" dirty="0" err="1" smtClean="0"/>
+              <a:t>ZooKeeper</a:t>
             </a:r>
             <a:endParaRPr lang="en-US" dirty="0"/>
           </a:p>
@@ -5547,11 +6873,11 @@
           <a:p>
             <a:r>
               <a:rPr lang="en-US" dirty="0"/>
-              <a:t>Spring Cloud  Netflix </a:t>
+              <a:t>Spring Cloud </a:t>
             </a:r>
             <a:r>
               <a:rPr lang="en-US" dirty="0" smtClean="0"/>
-              <a:t>Feign</a:t>
+              <a:t>Netflix Feign</a:t>
             </a:r>
           </a:p>
           <a:p>
@@ -5567,7 +6893,11 @@
           <a:p>
             <a:r>
               <a:rPr lang="en-US" dirty="0"/>
-              <a:t>Spring Cloud  Netflix </a:t>
+              <a:t>Spring Cloud </a:t>
+            </a:r>
+            <a:r>
+              <a:rPr lang="en-US" dirty="0" smtClean="0"/>
+              <a:t>Netflix </a:t>
             </a:r>
             <a:r>
               <a:rPr lang="en-US" dirty="0" err="1" smtClean="0"/>
@@ -5723,10 +7053,10 @@
           </a:p>
           <a:p>
             <a:r>
-              <a:rPr lang="zh-TW" altLang="en-US" dirty="0"/>
+              <a:rPr lang="zh-CN" altLang="en-US" dirty="0" smtClean="0"/>
               <a:t>案例分析</a:t>
             </a:r>
-            <a:endParaRPr lang="en-US" dirty="0"/>
+            <a:endParaRPr lang="en-US" altLang="zh-CN" dirty="0" smtClean="0"/>
           </a:p>
         </p:txBody>
       </p:sp>
@@ -5776,12 +7106,8 @@
           <a:lstStyle/>
           <a:p>
             <a:r>
-              <a:rPr lang="en-US" altLang="zh-CN" dirty="0" smtClean="0"/>
-              <a:t>Spring</a:t>
-            </a:r>
-            <a:r>
-              <a:rPr lang="zh-CN" altLang="en-US" dirty="0" smtClean="0"/>
-              <a:t>的历史</a:t>
+              <a:rPr lang="zh-CN" altLang="en-US" dirty="0" smtClean="0"/>
+              <a:t>什么是微服务</a:t>
             </a:r>
             <a:endParaRPr lang="en-US" dirty="0"/>
           </a:p>
@@ -5799,203 +7125,49 @@
         </p:nvSpPr>
         <p:spPr/>
         <p:txBody>
-          <a:bodyPr/>
-          <a:lstStyle/>
-          <a:p>
-            <a:r>
-              <a:rPr lang="en-US" altLang="zh-CN" dirty="0" smtClean="0"/>
-              <a:t>2002</a:t>
-            </a:r>
-            <a:r>
-              <a:rPr lang="zh-CN" altLang="en-US" dirty="0" smtClean="0"/>
-              <a:t>年，</a:t>
-            </a:r>
-            <a:r>
-              <a:rPr lang="en-US" altLang="zh-CN" dirty="0" smtClean="0"/>
-              <a:t>v0.9</a:t>
-            </a:r>
-            <a:r>
-              <a:rPr lang="zh-CN" altLang="en-US" dirty="0" smtClean="0"/>
-              <a:t>：</a:t>
-            </a:r>
-            <a:r>
-              <a:rPr lang="en-US" altLang="zh-CN" dirty="0" smtClean="0"/>
-              <a:t>Rod</a:t>
-            </a:r>
-            <a:r>
-              <a:rPr lang="zh-CN" altLang="en-US" dirty="0" smtClean="0"/>
-              <a:t> </a:t>
-            </a:r>
-            <a:r>
-              <a:rPr lang="en-US" altLang="zh-CN" dirty="0" smtClean="0"/>
-              <a:t>Johnson</a:t>
-            </a:r>
-            <a:r>
-              <a:rPr lang="zh-CN" altLang="en-US" dirty="0" smtClean="0"/>
-              <a:t>推出第一个版本</a:t>
-            </a:r>
-            <a:endParaRPr lang="en-US" altLang="zh-CN" dirty="0" smtClean="0"/>
-          </a:p>
-          <a:p>
-            <a:r>
-              <a:rPr lang="en-US" altLang="zh-CN" dirty="0" smtClean="0"/>
-              <a:t>2004</a:t>
-            </a:r>
-            <a:r>
-              <a:rPr lang="zh-CN" altLang="en-US" dirty="0" smtClean="0"/>
-              <a:t>年，</a:t>
-            </a:r>
-            <a:r>
-              <a:rPr lang="en-US" altLang="zh-CN" dirty="0" smtClean="0"/>
-              <a:t>v1.x</a:t>
-            </a:r>
-            <a:r>
-              <a:rPr lang="zh-CN" altLang="en-US" dirty="0" smtClean="0"/>
-              <a:t>：只能使用</a:t>
-            </a:r>
-            <a:r>
-              <a:rPr lang="en-US" altLang="zh-CN" dirty="0" smtClean="0"/>
-              <a:t>XML</a:t>
-            </a:r>
-            <a:r>
-              <a:rPr lang="zh-CN" altLang="en-US" dirty="0" smtClean="0"/>
-              <a:t>配置</a:t>
-            </a:r>
-            <a:endParaRPr lang="en-US" altLang="zh-CN" dirty="0" smtClean="0"/>
-          </a:p>
-          <a:p>
-            <a:r>
-              <a:rPr lang="en-US" altLang="zh-CN" dirty="0" smtClean="0"/>
-              <a:t>2006</a:t>
-            </a:r>
-            <a:r>
-              <a:rPr lang="zh-CN" altLang="en-US" dirty="0" smtClean="0"/>
-              <a:t>年，</a:t>
-            </a:r>
-            <a:r>
-              <a:rPr lang="en-US" altLang="zh-CN" dirty="0" smtClean="0"/>
-              <a:t>v2.x</a:t>
-            </a:r>
-            <a:r>
-              <a:rPr lang="zh-CN" altLang="en-US" dirty="0" smtClean="0"/>
-              <a:t>：引入少量的注解，</a:t>
-            </a:r>
-            <a:r>
-              <a:rPr lang="en-US" altLang="zh-CN" dirty="0" smtClean="0"/>
-              <a:t>@Component</a:t>
-            </a:r>
-            <a:r>
-              <a:rPr lang="zh-CN" altLang="en-US" dirty="0" smtClean="0"/>
-              <a:t>，</a:t>
-            </a:r>
-            <a:r>
-              <a:rPr lang="en-US" altLang="zh-CN" dirty="0" smtClean="0"/>
-              <a:t>@Service</a:t>
-            </a:r>
-          </a:p>
-          <a:p>
-            <a:r>
-              <a:rPr lang="en-US" altLang="zh-CN" dirty="0" smtClean="0"/>
-              <a:t>2009</a:t>
-            </a:r>
-            <a:r>
-              <a:rPr lang="zh-CN" altLang="en-US" dirty="0" smtClean="0"/>
-              <a:t>年，</a:t>
-            </a:r>
-            <a:r>
-              <a:rPr lang="en-US" altLang="zh-CN" dirty="0" smtClean="0"/>
-              <a:t>v3.x</a:t>
-            </a:r>
-            <a:r>
-              <a:rPr lang="zh-CN" altLang="en-US" dirty="0" smtClean="0"/>
-              <a:t>：引入更多注解，</a:t>
-            </a:r>
-            <a:r>
-              <a:rPr lang="en-US" altLang="zh-CN" dirty="0" smtClean="0"/>
-              <a:t>@Controller</a:t>
-            </a:r>
-          </a:p>
-          <a:p>
-            <a:r>
-              <a:rPr lang="en-US" altLang="zh-CN" dirty="0" smtClean="0"/>
-              <a:t>2013</a:t>
-            </a:r>
-            <a:r>
-              <a:rPr lang="zh-CN" altLang="en-US" dirty="0" smtClean="0"/>
-              <a:t>年，</a:t>
-            </a:r>
-            <a:r>
-              <a:rPr lang="en-US" altLang="zh-CN" dirty="0" smtClean="0"/>
-              <a:t>v4.x</a:t>
-            </a:r>
-            <a:r>
-              <a:rPr lang="zh-CN" altLang="en-US" dirty="0" smtClean="0"/>
-              <a:t>：可以完全脱离</a:t>
-            </a:r>
-            <a:r>
-              <a:rPr lang="en-US" altLang="zh-CN" dirty="0" smtClean="0"/>
-              <a:t>XML</a:t>
-            </a:r>
-            <a:r>
-              <a:rPr lang="zh-CN" altLang="en-US" dirty="0" smtClean="0"/>
-              <a:t>，引入</a:t>
-            </a:r>
-            <a:r>
-              <a:rPr lang="en-US" altLang="zh-CN" dirty="0" smtClean="0"/>
-              <a:t>JDK8</a:t>
-            </a:r>
-            <a:r>
-              <a:rPr lang="zh-CN" altLang="en-US" dirty="0" smtClean="0"/>
-              <a:t>，</a:t>
-            </a:r>
-            <a:r>
-              <a:rPr lang="en-US" altLang="zh-CN" dirty="0" err="1" smtClean="0"/>
-              <a:t>WebSocket</a:t>
-            </a:r>
-            <a:r>
-              <a:rPr lang="zh-CN" altLang="en-US" dirty="0" smtClean="0"/>
-              <a:t>等</a:t>
-            </a:r>
-            <a:endParaRPr lang="en-US" altLang="zh-CN" dirty="0" smtClean="0"/>
-          </a:p>
-          <a:p>
-            <a:r>
-              <a:rPr lang="en-US" altLang="zh-CN" dirty="0" smtClean="0"/>
-              <a:t>2017</a:t>
-            </a:r>
-            <a:r>
-              <a:rPr lang="zh-CN" altLang="en-US" dirty="0" smtClean="0"/>
-              <a:t>年，</a:t>
-            </a:r>
-            <a:r>
-              <a:rPr lang="en-US" altLang="zh-CN" dirty="0" smtClean="0"/>
-              <a:t>v5.x</a:t>
-            </a:r>
-            <a:r>
-              <a:rPr lang="zh-CN" altLang="en-US" dirty="0" smtClean="0"/>
-              <a:t>：引入反应式编程模型</a:t>
-            </a:r>
-            <a:endParaRPr lang="en-US" dirty="0"/>
+          <a:bodyPr>
+            <a:normAutofit/>
+          </a:bodyPr>
+          <a:lstStyle/>
+          <a:p>
+            <a:r>
+              <a:rPr lang="zh-CN" altLang="en-US" dirty="0"/>
+              <a:t>“微服务架构是一种架构模式，它提倡将单一应用程序划分成一组小的服务，服务之间相互协调、互相配合，为用户提供最终价值。每个服务运行在其独立的进程中，服务和服务之间采用轻量级的通信机制相互沟通（通常是基于</a:t>
+            </a:r>
+            <a:r>
+              <a:rPr lang="en-US" altLang="zh-CN" dirty="0"/>
+              <a:t>HTTP</a:t>
+            </a:r>
+            <a:r>
+              <a:rPr lang="zh-CN" altLang="en-US" dirty="0"/>
+              <a:t>的</a:t>
+            </a:r>
+            <a:r>
+              <a:rPr lang="en-US" altLang="zh-CN" dirty="0"/>
+              <a:t>Restful API).</a:t>
+            </a:r>
+            <a:r>
+              <a:rPr lang="zh-CN" altLang="en-US" dirty="0"/>
+              <a:t>每个服务都围绕着具体的业务进行构建，并且能够被独立的部署到生产环境、类生产环境等。另外，应尽量避免统一的、集中的服务管理机制，对具体的一个服务而言，应根据业务上下文，选择合适的语言、工具对其进行构</a:t>
+            </a:r>
+            <a:r>
+              <a:rPr lang="en-US" altLang="zh-CN" dirty="0" smtClean="0"/>
+              <a:t>"</a:t>
+            </a:r>
+            <a:endParaRPr lang="en-US" altLang="zh-CN" dirty="0"/>
           </a:p>
         </p:txBody>
       </p:sp>
     </p:spTree>
     <p:extLst>
       <p:ext uri="{BB962C8B-B14F-4D97-AF65-F5344CB8AC3E}">
-        <p14:creationId xmlns:p14="http://schemas.microsoft.com/office/powerpoint/2010/main" val="1680984783"/>
+        <p14:creationId xmlns:p14="http://schemas.microsoft.com/office/powerpoint/2010/main" val="1015179444"/>
       </p:ext>
     </p:extLst>
   </p:cSld>
   <p:clrMapOvr>
     <a:masterClrMapping/>
   </p:clrMapOvr>
-  <p:timing>
-    <p:tnLst>
-      <p:par>
-        <p:cTn id="1" dur="indefinite" restart="never" nodeType="tmRoot"/>
-      </p:par>
-    </p:tnLst>
-  </p:timing>
 </p:sld>
 </file>
 
@@ -6031,78 +7203,74 @@
           <a:bodyPr/>
           <a:lstStyle/>
           <a:p>
-            <a:r>
-              <a:rPr lang="zh-CN" altLang="en-US" dirty="0" smtClean="0"/>
-              <a:t>创建一个</a:t>
-            </a:r>
-            <a:r>
-              <a:rPr lang="en-US" altLang="zh-CN" dirty="0" smtClean="0"/>
-              <a:t>bean</a:t>
-            </a:r>
-            <a:r>
-              <a:rPr lang="zh-CN" altLang="en-US" dirty="0" smtClean="0"/>
-              <a:t>的几种方式</a:t>
-            </a:r>
+            <a:endParaRPr lang="en-US"/>
+          </a:p>
+        </p:txBody>
+      </p:sp>
+      <p:sp>
+        <p:nvSpPr>
+          <p:cNvPr id="3" name="Content Placeholder 2"/>
+          <p:cNvSpPr>
+            <a:spLocks noGrp="1"/>
+          </p:cNvSpPr>
+          <p:nvPr>
+            <p:ph idx="1"/>
+          </p:nvPr>
+        </p:nvSpPr>
+        <p:spPr/>
+        <p:txBody>
+          <a:bodyPr/>
+          <a:lstStyle/>
+          <a:p>
             <a:endParaRPr lang="en-US" dirty="0"/>
           </a:p>
         </p:txBody>
       </p:sp>
-      <p:sp>
-        <p:nvSpPr>
-          <p:cNvPr id="3" name="Content Placeholder 2"/>
-          <p:cNvSpPr>
-            <a:spLocks noGrp="1"/>
-          </p:cNvSpPr>
-          <p:nvPr>
-            <p:ph idx="1"/>
-          </p:nvPr>
-        </p:nvSpPr>
-        <p:spPr/>
-        <p:txBody>
-          <a:bodyPr/>
-          <a:lstStyle/>
-          <a:p>
-            <a:r>
-              <a:rPr lang="en-US" altLang="zh-CN" dirty="0" smtClean="0"/>
-              <a:t>XML</a:t>
-            </a:r>
-            <a:r>
-              <a:rPr lang="zh-CN" altLang="en-US" dirty="0" smtClean="0"/>
-              <a:t>中的</a:t>
-            </a:r>
-            <a:r>
-              <a:rPr lang="en-US" altLang="zh-CN" dirty="0" smtClean="0"/>
-              <a:t>&lt;bean&gt;</a:t>
-            </a:r>
-          </a:p>
-          <a:p>
-            <a:r>
-              <a:rPr lang="en-US" altLang="zh-CN" dirty="0" smtClean="0"/>
-              <a:t>@Bean</a:t>
-            </a:r>
-            <a:r>
-              <a:rPr lang="zh-CN" altLang="en-US" dirty="0" smtClean="0"/>
-              <a:t>注解在类上</a:t>
-            </a:r>
-            <a:endParaRPr lang="en-US" altLang="zh-CN" dirty="0" smtClean="0"/>
-          </a:p>
-          <a:p>
-            <a:r>
-              <a:rPr lang="en-US" altLang="zh-CN" dirty="0" smtClean="0"/>
-              <a:t>@Bean</a:t>
-            </a:r>
-            <a:r>
-              <a:rPr lang="zh-CN" altLang="en-US" dirty="0" smtClean="0"/>
-              <a:t>注解在方法上</a:t>
-            </a:r>
-            <a:endParaRPr lang="en-US" dirty="0"/>
-          </a:p>
-        </p:txBody>
-      </p:sp>
+      <p:pic>
+        <p:nvPicPr>
+          <p:cNvPr id="1028" name="Picture 4" descr="review"/>
+          <p:cNvPicPr>
+            <a:picLocks noChangeAspect="1" noChangeArrowheads="1"/>
+          </p:cNvPicPr>
+          <p:nvPr/>
+        </p:nvPicPr>
+        <p:blipFill>
+          <a:blip r:embed="rId2">
+            <a:extLst>
+              <a:ext uri="{28A0092B-C50C-407E-A947-70E740481C1C}">
+                <a14:useLocalDpi xmlns:a14="http://schemas.microsoft.com/office/drawing/2010/main" val="0"/>
+              </a:ext>
+            </a:extLst>
+          </a:blip>
+          <a:srcRect/>
+          <a:stretch>
+            <a:fillRect/>
+          </a:stretch>
+        </p:blipFill>
+        <p:spPr bwMode="auto">
+          <a:xfrm>
+            <a:off x="153653" y="2448260"/>
+            <a:ext cx="11884693" cy="2870699"/>
+          </a:xfrm>
+          <a:prstGeom prst="rect">
+            <a:avLst/>
+          </a:prstGeom>
+          <a:noFill/>
+          <a:extLst>
+            <a:ext uri="{909E8E84-426E-40DD-AFC4-6F175D3DCCD1}">
+              <a14:hiddenFill xmlns:a14="http://schemas.microsoft.com/office/drawing/2010/main">
+                <a:solidFill>
+                  <a:srgbClr val="FFFFFF"/>
+                </a:solidFill>
+              </a14:hiddenFill>
+            </a:ext>
+          </a:extLst>
+        </p:spPr>
+      </p:pic>
     </p:spTree>
     <p:extLst>
       <p:ext uri="{BB962C8B-B14F-4D97-AF65-F5344CB8AC3E}">
-        <p14:creationId xmlns:p14="http://schemas.microsoft.com/office/powerpoint/2010/main" val="137577268"/>
+        <p14:creationId xmlns:p14="http://schemas.microsoft.com/office/powerpoint/2010/main" val="930390370"/>
       </p:ext>
     </p:extLst>
   </p:cSld>
